--- a/logo/Logo.pptx
+++ b/logo/Logo.pptx
@@ -259,7 +259,7 @@
           <a:p>
             <a:fld id="{8422C1E5-DC1F-40E6-9AA1-5E67EED1CF7D}" type="datetimeFigureOut">
               <a:rPr lang="de-DE" smtClean="0"/>
-              <a:t>14.12.2024</a:t>
+              <a:t>05.06.2025</a:t>
             </a:fld>
             <a:endParaRPr lang="de-DE"/>
           </a:p>
@@ -457,7 +457,7 @@
           <a:p>
             <a:fld id="{8422C1E5-DC1F-40E6-9AA1-5E67EED1CF7D}" type="datetimeFigureOut">
               <a:rPr lang="de-DE" smtClean="0"/>
-              <a:t>14.12.2024</a:t>
+              <a:t>05.06.2025</a:t>
             </a:fld>
             <a:endParaRPr lang="de-DE"/>
           </a:p>
@@ -665,7 +665,7 @@
           <a:p>
             <a:fld id="{8422C1E5-DC1F-40E6-9AA1-5E67EED1CF7D}" type="datetimeFigureOut">
               <a:rPr lang="de-DE" smtClean="0"/>
-              <a:t>14.12.2024</a:t>
+              <a:t>05.06.2025</a:t>
             </a:fld>
             <a:endParaRPr lang="de-DE"/>
           </a:p>
@@ -863,7 +863,7 @@
           <a:p>
             <a:fld id="{8422C1E5-DC1F-40E6-9AA1-5E67EED1CF7D}" type="datetimeFigureOut">
               <a:rPr lang="de-DE" smtClean="0"/>
-              <a:t>14.12.2024</a:t>
+              <a:t>05.06.2025</a:t>
             </a:fld>
             <a:endParaRPr lang="de-DE"/>
           </a:p>
@@ -1138,7 +1138,7 @@
           <a:p>
             <a:fld id="{8422C1E5-DC1F-40E6-9AA1-5E67EED1CF7D}" type="datetimeFigureOut">
               <a:rPr lang="de-DE" smtClean="0"/>
-              <a:t>14.12.2024</a:t>
+              <a:t>05.06.2025</a:t>
             </a:fld>
             <a:endParaRPr lang="de-DE"/>
           </a:p>
@@ -1403,7 +1403,7 @@
           <a:p>
             <a:fld id="{8422C1E5-DC1F-40E6-9AA1-5E67EED1CF7D}" type="datetimeFigureOut">
               <a:rPr lang="de-DE" smtClean="0"/>
-              <a:t>14.12.2024</a:t>
+              <a:t>05.06.2025</a:t>
             </a:fld>
             <a:endParaRPr lang="de-DE"/>
           </a:p>
@@ -1815,7 +1815,7 @@
           <a:p>
             <a:fld id="{8422C1E5-DC1F-40E6-9AA1-5E67EED1CF7D}" type="datetimeFigureOut">
               <a:rPr lang="de-DE" smtClean="0"/>
-              <a:t>14.12.2024</a:t>
+              <a:t>05.06.2025</a:t>
             </a:fld>
             <a:endParaRPr lang="de-DE"/>
           </a:p>
@@ -1956,7 +1956,7 @@
           <a:p>
             <a:fld id="{8422C1E5-DC1F-40E6-9AA1-5E67EED1CF7D}" type="datetimeFigureOut">
               <a:rPr lang="de-DE" smtClean="0"/>
-              <a:t>14.12.2024</a:t>
+              <a:t>05.06.2025</a:t>
             </a:fld>
             <a:endParaRPr lang="de-DE"/>
           </a:p>
@@ -2069,7 +2069,7 @@
           <a:p>
             <a:fld id="{8422C1E5-DC1F-40E6-9AA1-5E67EED1CF7D}" type="datetimeFigureOut">
               <a:rPr lang="de-DE" smtClean="0"/>
-              <a:t>14.12.2024</a:t>
+              <a:t>05.06.2025</a:t>
             </a:fld>
             <a:endParaRPr lang="de-DE"/>
           </a:p>
@@ -2380,7 +2380,7 @@
           <a:p>
             <a:fld id="{8422C1E5-DC1F-40E6-9AA1-5E67EED1CF7D}" type="datetimeFigureOut">
               <a:rPr lang="de-DE" smtClean="0"/>
-              <a:t>14.12.2024</a:t>
+              <a:t>05.06.2025</a:t>
             </a:fld>
             <a:endParaRPr lang="de-DE"/>
           </a:p>
@@ -2668,7 +2668,7 @@
           <a:p>
             <a:fld id="{8422C1E5-DC1F-40E6-9AA1-5E67EED1CF7D}" type="datetimeFigureOut">
               <a:rPr lang="de-DE" smtClean="0"/>
-              <a:t>14.12.2024</a:t>
+              <a:t>05.06.2025</a:t>
             </a:fld>
             <a:endParaRPr lang="de-DE"/>
           </a:p>
@@ -2909,7 +2909,7 @@
           <a:p>
             <a:fld id="{8422C1E5-DC1F-40E6-9AA1-5E67EED1CF7D}" type="datetimeFigureOut">
               <a:rPr lang="de-DE" smtClean="0"/>
-              <a:t>14.12.2024</a:t>
+              <a:t>05.06.2025</a:t>
             </a:fld>
             <a:endParaRPr lang="de-DE"/>
           </a:p>
@@ -3347,7 +3347,7 @@
             <a:avLst/>
           </a:prstGeom>
           <a:solidFill>
-            <a:schemeClr val="tx1"/>
+            <a:srgbClr val="156082"/>
           </a:solidFill>
           <a:ln>
             <a:noFill/>
@@ -3377,7 +3377,7 @@
             <a:r>
               <a:rPr lang="de-DE" sz="6600" dirty="0">
                 <a:solidFill>
-                  <a:srgbClr val="B8CEF2"/>
+                  <a:schemeClr val="bg1"/>
                 </a:solidFill>
                 <a:latin typeface="Arial Black" panose="020B0A04020102020204" pitchFamily="34" charset="0"/>
               </a:rPr>
